--- a/PowerPoint/ゲーム内容、操作説明(お仕事フェスタ用).pptx
+++ b/PowerPoint/ゲーム内容、操作説明(お仕事フェスタ用).pptx
@@ -11,6 +11,8 @@
     <p:sldId id="260" r:id="rId5"/>
     <p:sldId id="258" r:id="rId6"/>
     <p:sldId id="261" r:id="rId7"/>
+    <p:sldId id="262" r:id="rId8"/>
+    <p:sldId id="263" r:id="rId9"/>
   </p:sldIdLst>
   <p:sldSz cx="12192000" cy="6858000"/>
   <p:notesSz cx="6858000" cy="9144000"/>
@@ -248,7 +250,7 @@
           <a:p>
             <a:fld id="{9D9B0D84-1F1A-4DEF-9537-5974DA758FE3}" type="datetimeFigureOut">
               <a:rPr kumimoji="1" lang="ja-JP" altLang="en-US" smtClean="0"/>
-              <a:t>2017/3/1</a:t>
+              <a:t>2017/3/2</a:t>
             </a:fld>
             <a:endParaRPr kumimoji="1" lang="ja-JP" altLang="en-US"/>
           </a:p>
@@ -450,7 +452,7 @@
           <a:p>
             <a:fld id="{9D9B0D84-1F1A-4DEF-9537-5974DA758FE3}" type="datetimeFigureOut">
               <a:rPr kumimoji="1" lang="ja-JP" altLang="en-US" smtClean="0"/>
-              <a:t>2017/3/1</a:t>
+              <a:t>2017/3/2</a:t>
             </a:fld>
             <a:endParaRPr kumimoji="1" lang="ja-JP" altLang="en-US"/>
           </a:p>
@@ -662,7 +664,7 @@
           <a:p>
             <a:fld id="{9D9B0D84-1F1A-4DEF-9537-5974DA758FE3}" type="datetimeFigureOut">
               <a:rPr kumimoji="1" lang="ja-JP" altLang="en-US" smtClean="0"/>
-              <a:t>2017/3/1</a:t>
+              <a:t>2017/3/2</a:t>
             </a:fld>
             <a:endParaRPr kumimoji="1" lang="ja-JP" altLang="en-US"/>
           </a:p>
@@ -864,7 +866,7 @@
           <a:p>
             <a:fld id="{9D9B0D84-1F1A-4DEF-9537-5974DA758FE3}" type="datetimeFigureOut">
               <a:rPr kumimoji="1" lang="ja-JP" altLang="en-US" smtClean="0"/>
-              <a:t>2017/3/1</a:t>
+              <a:t>2017/3/2</a:t>
             </a:fld>
             <a:endParaRPr kumimoji="1" lang="ja-JP" altLang="en-US"/>
           </a:p>
@@ -1110,7 +1112,7 @@
           <a:p>
             <a:fld id="{9D9B0D84-1F1A-4DEF-9537-5974DA758FE3}" type="datetimeFigureOut">
               <a:rPr kumimoji="1" lang="ja-JP" altLang="en-US" smtClean="0"/>
-              <a:t>2017/3/1</a:t>
+              <a:t>2017/3/2</a:t>
             </a:fld>
             <a:endParaRPr kumimoji="1" lang="ja-JP" altLang="en-US"/>
           </a:p>
@@ -1406,7 +1408,7 @@
           <a:p>
             <a:fld id="{9D9B0D84-1F1A-4DEF-9537-5974DA758FE3}" type="datetimeFigureOut">
               <a:rPr kumimoji="1" lang="ja-JP" altLang="en-US" smtClean="0"/>
-              <a:t>2017/3/1</a:t>
+              <a:t>2017/3/2</a:t>
             </a:fld>
             <a:endParaRPr kumimoji="1" lang="ja-JP" altLang="en-US"/>
           </a:p>
@@ -1837,7 +1839,7 @@
           <a:p>
             <a:fld id="{9D9B0D84-1F1A-4DEF-9537-5974DA758FE3}" type="datetimeFigureOut">
               <a:rPr kumimoji="1" lang="ja-JP" altLang="en-US" smtClean="0"/>
-              <a:t>2017/3/1</a:t>
+              <a:t>2017/3/2</a:t>
             </a:fld>
             <a:endParaRPr kumimoji="1" lang="ja-JP" altLang="en-US"/>
           </a:p>
@@ -1955,7 +1957,7 @@
           <a:p>
             <a:fld id="{9D9B0D84-1F1A-4DEF-9537-5974DA758FE3}" type="datetimeFigureOut">
               <a:rPr kumimoji="1" lang="ja-JP" altLang="en-US" smtClean="0"/>
-              <a:t>2017/3/1</a:t>
+              <a:t>2017/3/2</a:t>
             </a:fld>
             <a:endParaRPr kumimoji="1" lang="ja-JP" altLang="en-US"/>
           </a:p>
@@ -2050,7 +2052,7 @@
           <a:p>
             <a:fld id="{9D9B0D84-1F1A-4DEF-9537-5974DA758FE3}" type="datetimeFigureOut">
               <a:rPr kumimoji="1" lang="ja-JP" altLang="en-US" smtClean="0"/>
-              <a:t>2017/3/1</a:t>
+              <a:t>2017/3/2</a:t>
             </a:fld>
             <a:endParaRPr kumimoji="1" lang="ja-JP" altLang="en-US"/>
           </a:p>
@@ -2359,7 +2361,7 @@
           <a:p>
             <a:fld id="{9D9B0D84-1F1A-4DEF-9537-5974DA758FE3}" type="datetimeFigureOut">
               <a:rPr kumimoji="1" lang="ja-JP" altLang="en-US" smtClean="0"/>
-              <a:t>2017/3/1</a:t>
+              <a:t>2017/3/2</a:t>
             </a:fld>
             <a:endParaRPr kumimoji="1" lang="ja-JP" altLang="en-US"/>
           </a:p>
@@ -2612,7 +2614,7 @@
           <a:p>
             <a:fld id="{9D9B0D84-1F1A-4DEF-9537-5974DA758FE3}" type="datetimeFigureOut">
               <a:rPr kumimoji="1" lang="ja-JP" altLang="en-US" smtClean="0"/>
-              <a:t>2017/3/1</a:t>
+              <a:t>2017/3/2</a:t>
             </a:fld>
             <a:endParaRPr kumimoji="1" lang="ja-JP" altLang="en-US"/>
           </a:p>
@@ -2857,7 +2859,7 @@
           <a:p>
             <a:fld id="{9D9B0D84-1F1A-4DEF-9537-5974DA758FE3}" type="datetimeFigureOut">
               <a:rPr kumimoji="1" lang="ja-JP" altLang="en-US" smtClean="0"/>
-              <a:t>2017/3/1</a:t>
+              <a:t>2017/3/2</a:t>
             </a:fld>
             <a:endParaRPr kumimoji="1" lang="ja-JP" altLang="en-US"/>
           </a:p>
@@ -3323,13 +3325,7 @@
               <a:rPr kumimoji="1" lang="ja-JP" altLang="en-US" sz="2400" dirty="0" smtClean="0">
                 <a:latin typeface="+mn-ea"/>
               </a:rPr>
-              <a:t>対戦</a:t>
-            </a:r>
-            <a:r>
-              <a:rPr kumimoji="1" lang="ja-JP" altLang="en-US" sz="2400" dirty="0" smtClean="0">
-                <a:latin typeface="+mn-ea"/>
-              </a:rPr>
-              <a:t>アクション</a:t>
+              <a:t>対戦アクション</a:t>
             </a:r>
             <a:endParaRPr kumimoji="1" lang="en-US" altLang="ja-JP" sz="2400" dirty="0" smtClean="0">
               <a:latin typeface="+mn-ea"/>
@@ -4670,11 +4666,7 @@
             </a:pPr>
             <a:r>
               <a:rPr lang="ja-JP" altLang="en-US" dirty="0" smtClean="0"/>
-              <a:t>攻撃力・吹き飛ばし力は低いが出が早く、隙も</a:t>
-            </a:r>
-            <a:r>
-              <a:rPr lang="ja-JP" altLang="en-US" dirty="0" smtClean="0"/>
-              <a:t>少ない</a:t>
+              <a:t>攻撃力・吹き飛ばし力は低いが出が早く、隙も少ない</a:t>
             </a:r>
             <a:endParaRPr lang="en-US" altLang="ja-JP" dirty="0" smtClean="0"/>
           </a:p>
@@ -4701,11 +4693,7 @@
             </a:pPr>
             <a:r>
               <a:rPr lang="ja-JP" altLang="en-US" dirty="0" smtClean="0"/>
-              <a:t>パンチ</a:t>
-            </a:r>
-            <a:r>
-              <a:rPr lang="ja-JP" altLang="en-US" dirty="0" smtClean="0"/>
-              <a:t>よりも隙が大きいが攻撃力・吹き飛ばし力は高く溜めも可能。</a:t>
+              <a:t>パンチよりも隙が大きいが攻撃力・吹き飛ばし力は高く溜めも可能。</a:t>
             </a:r>
             <a:endParaRPr lang="en-US" altLang="ja-JP" dirty="0" smtClean="0"/>
           </a:p>
@@ -5147,6 +5135,434 @@
       </p:par>
     </p:tnLst>
   </p:timing>
+</p:sld>
+</file>
+
+<file path=ppt/slides/slide7.xml><?xml version="1.0" encoding="utf-8"?>
+<p:sld xmlns:a="http://schemas.openxmlformats.org/drawingml/2006/main" xmlns:r="http://schemas.openxmlformats.org/officeDocument/2006/relationships" xmlns:p="http://schemas.openxmlformats.org/presentationml/2006/main">
+  <p:cSld>
+    <p:spTree>
+      <p:nvGrpSpPr>
+        <p:cNvPr id="1" name=""/>
+        <p:cNvGrpSpPr/>
+        <p:nvPr/>
+      </p:nvGrpSpPr>
+      <p:grpSpPr>
+        <a:xfrm>
+          <a:off x="0" y="0"/>
+          <a:ext cx="0" cy="0"/>
+          <a:chOff x="0" y="0"/>
+          <a:chExt cx="0" cy="0"/>
+        </a:xfrm>
+      </p:grpSpPr>
+      <p:sp>
+        <p:nvSpPr>
+          <p:cNvPr id="2" name="タイトル 1"/>
+          <p:cNvSpPr>
+            <a:spLocks noGrp="1"/>
+          </p:cNvSpPr>
+          <p:nvPr>
+            <p:ph type="title"/>
+          </p:nvPr>
+        </p:nvSpPr>
+        <p:spPr/>
+        <p:txBody>
+          <a:bodyPr/>
+          <a:lstStyle/>
+          <a:p>
+            <a:r>
+              <a:rPr kumimoji="1" lang="ja-JP" altLang="en-US" dirty="0" smtClean="0"/>
+              <a:t>技術的に</a:t>
+            </a:r>
+            <a:r>
+              <a:rPr lang="ja-JP" altLang="en-US" dirty="0" smtClean="0"/>
+              <a:t>頑張ったこと</a:t>
+            </a:r>
+            <a:endParaRPr kumimoji="1" lang="ja-JP" altLang="en-US" dirty="0"/>
+          </a:p>
+        </p:txBody>
+      </p:sp>
+      <p:sp>
+        <p:nvSpPr>
+          <p:cNvPr id="3" name="コンテンツ プレースホルダー 2"/>
+          <p:cNvSpPr>
+            <a:spLocks noGrp="1"/>
+          </p:cNvSpPr>
+          <p:nvPr>
+            <p:ph idx="1"/>
+          </p:nvPr>
+        </p:nvSpPr>
+        <p:spPr/>
+        <p:txBody>
+          <a:bodyPr>
+            <a:normAutofit/>
+          </a:bodyPr>
+          <a:lstStyle/>
+          <a:p>
+            <a:r>
+              <a:rPr lang="ja-JP" altLang="en-US" sz="3200" dirty="0" smtClean="0"/>
+              <a:t>ゲームエンジンを作る際、優秀な作りである</a:t>
+            </a:r>
+            <a:r>
+              <a:rPr lang="en-US" altLang="ja-JP" sz="3200" dirty="0" smtClean="0"/>
+              <a:t>Unity</a:t>
+            </a:r>
+            <a:r>
+              <a:rPr lang="ja-JP" altLang="en-US" sz="3200" dirty="0" smtClean="0"/>
+              <a:t>というゲームエンジンを参考にして作った。</a:t>
+            </a:r>
+            <a:endParaRPr lang="en-US" altLang="ja-JP" sz="3200" dirty="0" smtClean="0"/>
+          </a:p>
+          <a:p>
+            <a:r>
+              <a:rPr lang="ja-JP" altLang="ja-JP" sz="3200" dirty="0" smtClean="0"/>
+              <a:t>固定機能で描画</a:t>
+            </a:r>
+            <a:r>
+              <a:rPr lang="ja-JP" altLang="en-US" sz="3200" dirty="0" smtClean="0"/>
+              <a:t>せずに、自分で決めたやり方で描画するようにした。</a:t>
+            </a:r>
+            <a:endParaRPr lang="en-US" altLang="ja-JP" sz="3200" dirty="0" smtClean="0"/>
+          </a:p>
+          <a:p>
+            <a:r>
+              <a:rPr lang="ja-JP" altLang="ja-JP" sz="3200" dirty="0" smtClean="0"/>
+              <a:t>プレイヤー</a:t>
+            </a:r>
+            <a:r>
+              <a:rPr lang="ja-JP" altLang="ja-JP" sz="3200" dirty="0"/>
+              <a:t>の攻撃のあたり判定や地面とのあたり判定に物理エンジンの</a:t>
+            </a:r>
+            <a:r>
+              <a:rPr lang="en-US" altLang="ja-JP" sz="3200" dirty="0" err="1"/>
+              <a:t>bulletPhysics</a:t>
+            </a:r>
+            <a:r>
+              <a:rPr lang="ja-JP" altLang="ja-JP" sz="3200" dirty="0"/>
+              <a:t>を利用しました</a:t>
+            </a:r>
+            <a:r>
+              <a:rPr lang="ja-JP" altLang="ja-JP" sz="3200" dirty="0" smtClean="0"/>
+              <a:t>。</a:t>
+            </a:r>
+            <a:endParaRPr kumimoji="1" lang="ja-JP" altLang="en-US" sz="3200" dirty="0"/>
+          </a:p>
+        </p:txBody>
+      </p:sp>
+    </p:spTree>
+    <p:extLst>
+      <p:ext uri="{BB962C8B-B14F-4D97-AF65-F5344CB8AC3E}">
+        <p14:creationId xmlns:p14="http://schemas.microsoft.com/office/powerpoint/2010/main" val="2986806196"/>
+      </p:ext>
+    </p:extLst>
+  </p:cSld>
+  <p:clrMapOvr>
+    <a:masterClrMapping/>
+  </p:clrMapOvr>
+</p:sld>
+</file>
+
+<file path=ppt/slides/slide8.xml><?xml version="1.0" encoding="utf-8"?>
+<p:sld xmlns:a="http://schemas.openxmlformats.org/drawingml/2006/main" xmlns:r="http://schemas.openxmlformats.org/officeDocument/2006/relationships" xmlns:p="http://schemas.openxmlformats.org/presentationml/2006/main">
+  <p:cSld>
+    <p:spTree>
+      <p:nvGrpSpPr>
+        <p:cNvPr id="1" name=""/>
+        <p:cNvGrpSpPr/>
+        <p:nvPr/>
+      </p:nvGrpSpPr>
+      <p:grpSpPr>
+        <a:xfrm>
+          <a:off x="0" y="0"/>
+          <a:ext cx="0" cy="0"/>
+          <a:chOff x="0" y="0"/>
+          <a:chExt cx="0" cy="0"/>
+        </a:xfrm>
+      </p:grpSpPr>
+      <p:sp>
+        <p:nvSpPr>
+          <p:cNvPr id="2" name="タイトル 1"/>
+          <p:cNvSpPr>
+            <a:spLocks noGrp="1"/>
+          </p:cNvSpPr>
+          <p:nvPr>
+            <p:ph type="title"/>
+          </p:nvPr>
+        </p:nvSpPr>
+        <p:spPr>
+          <a:xfrm>
+            <a:off x="838200" y="0"/>
+            <a:ext cx="10515600" cy="1325563"/>
+          </a:xfrm>
+        </p:spPr>
+        <p:txBody>
+          <a:bodyPr/>
+          <a:lstStyle/>
+          <a:p>
+            <a:r>
+              <a:rPr kumimoji="1" lang="ja-JP" altLang="en-US" dirty="0" smtClean="0"/>
+              <a:t>改善案</a:t>
+            </a:r>
+            <a:endParaRPr kumimoji="1" lang="ja-JP" altLang="en-US" dirty="0"/>
+          </a:p>
+        </p:txBody>
+      </p:sp>
+      <p:sp>
+        <p:nvSpPr>
+          <p:cNvPr id="3" name="コンテンツ プレースホルダー 2"/>
+          <p:cNvSpPr>
+            <a:spLocks noGrp="1"/>
+          </p:cNvSpPr>
+          <p:nvPr>
+            <p:ph idx="1"/>
+          </p:nvPr>
+        </p:nvSpPr>
+        <p:spPr>
+          <a:xfrm>
+            <a:off x="641350" y="5080000"/>
+            <a:ext cx="10515600" cy="1930400"/>
+          </a:xfrm>
+        </p:spPr>
+        <p:txBody>
+          <a:bodyPr>
+            <a:normAutofit/>
+          </a:bodyPr>
+          <a:lstStyle/>
+          <a:p>
+            <a:pPr marL="0" indent="0">
+              <a:buNone/>
+            </a:pPr>
+            <a:r>
+              <a:rPr lang="ja-JP" altLang="ja-JP" dirty="0" smtClean="0"/>
+              <a:t>防御</a:t>
+            </a:r>
+            <a:r>
+              <a:rPr lang="ja-JP" altLang="ja-JP" dirty="0"/>
+              <a:t>や回避がないから駆け引きが起きないので、一定時間攻撃を受け付けないようにする処理を作って回避を実装</a:t>
+            </a:r>
+            <a:r>
+              <a:rPr lang="ja-JP" altLang="ja-JP" dirty="0" smtClean="0"/>
+              <a:t>する。</a:t>
+            </a:r>
+          </a:p>
+          <a:p>
+            <a:pPr marL="0" indent="0">
+              <a:buNone/>
+            </a:pPr>
+            <a:r>
+              <a:rPr lang="ja-JP" altLang="ja-JP" dirty="0" smtClean="0"/>
+              <a:t>攻撃</a:t>
+            </a:r>
+            <a:r>
+              <a:rPr lang="ja-JP" altLang="ja-JP" dirty="0"/>
+              <a:t>方法が少なく試合が単調になりがちなので</a:t>
+            </a:r>
+            <a:r>
+              <a:rPr lang="en-US" altLang="ja-JP" dirty="0"/>
+              <a:t>(</a:t>
+            </a:r>
+            <a:r>
+              <a:rPr lang="ja-JP" altLang="ja-JP" dirty="0"/>
+              <a:t>人数が少ないと特に顕著</a:t>
+            </a:r>
+            <a:r>
+              <a:rPr lang="en-US" altLang="ja-JP" dirty="0"/>
+              <a:t>)</a:t>
+            </a:r>
+            <a:r>
+              <a:rPr lang="ja-JP" altLang="ja-JP" dirty="0" err="1"/>
+              <a:t>、</a:t>
+            </a:r>
+            <a:r>
+              <a:rPr lang="ja-JP" altLang="ja-JP" dirty="0"/>
+              <a:t>ステージギミックを追加したりアイテムを実装する</a:t>
+            </a:r>
+            <a:r>
+              <a:rPr lang="ja-JP" altLang="ja-JP" dirty="0" smtClean="0"/>
+              <a:t>。</a:t>
+            </a:r>
+            <a:endParaRPr lang="en-US" altLang="ja-JP" dirty="0" smtClean="0"/>
+          </a:p>
+        </p:txBody>
+      </p:sp>
+      <p:pic>
+        <p:nvPicPr>
+          <p:cNvPr id="4" name="図 3"/>
+          <p:cNvPicPr>
+            <a:picLocks noChangeAspect="1"/>
+          </p:cNvPicPr>
+          <p:nvPr/>
+        </p:nvPicPr>
+        <p:blipFill>
+          <a:blip r:embed="rId2">
+            <a:extLst>
+              <a:ext uri="{28A0092B-C50C-407E-A947-70E740481C1C}">
+                <a14:useLocalDpi xmlns:a14="http://schemas.microsoft.com/office/drawing/2010/main" val="0"/>
+              </a:ext>
+            </a:extLst>
+          </a:blip>
+          <a:stretch>
+            <a:fillRect/>
+          </a:stretch>
+        </p:blipFill>
+        <p:spPr>
+          <a:xfrm>
+            <a:off x="949325" y="1984375"/>
+            <a:ext cx="4562475" cy="3095625"/>
+          </a:xfrm>
+          <a:prstGeom prst="rect">
+            <a:avLst/>
+          </a:prstGeom>
+        </p:spPr>
+      </p:pic>
+      <p:sp>
+        <p:nvSpPr>
+          <p:cNvPr id="5" name="テキスト ボックス 4"/>
+          <p:cNvSpPr txBox="1"/>
+          <p:nvPr/>
+        </p:nvSpPr>
+        <p:spPr>
+          <a:xfrm>
+            <a:off x="838200" y="1098550"/>
+            <a:ext cx="10121900" cy="1384995"/>
+          </a:xfrm>
+          <a:prstGeom prst="rect">
+            <a:avLst/>
+          </a:prstGeom>
+          <a:noFill/>
+        </p:spPr>
+        <p:txBody>
+          <a:bodyPr wrap="square" rtlCol="0">
+            <a:spAutoFit/>
+          </a:bodyPr>
+          <a:lstStyle/>
+          <a:p>
+            <a:r>
+              <a:rPr lang="ja-JP" altLang="ja-JP" sz="2800" dirty="0" smtClean="0"/>
+              <a:t>スマブラ</a:t>
+            </a:r>
+            <a:r>
+              <a:rPr lang="ja-JP" altLang="ja-JP" sz="2800" dirty="0"/>
+              <a:t>の様なエフェクトを表現するために、ブルームやモーションブラーなどのポストエフェクトを実装したい。</a:t>
+            </a:r>
+          </a:p>
+          <a:p>
+            <a:endParaRPr kumimoji="1" lang="ja-JP" altLang="en-US" sz="2800" dirty="0"/>
+          </a:p>
+        </p:txBody>
+      </p:sp>
+      <p:sp>
+        <p:nvSpPr>
+          <p:cNvPr id="6" name="テキスト ボックス 5"/>
+          <p:cNvSpPr txBox="1"/>
+          <p:nvPr/>
+        </p:nvSpPr>
+        <p:spPr>
+          <a:xfrm>
+            <a:off x="395327" y="2106341"/>
+            <a:ext cx="553998" cy="1502976"/>
+          </a:xfrm>
+          <a:prstGeom prst="rect">
+            <a:avLst/>
+          </a:prstGeom>
+          <a:noFill/>
+        </p:spPr>
+        <p:txBody>
+          <a:bodyPr vert="eaVert" wrap="none" rtlCol="0">
+            <a:spAutoFit/>
+          </a:bodyPr>
+          <a:lstStyle/>
+          <a:p>
+            <a:r>
+              <a:rPr lang="ja-JP" altLang="en-US" sz="2400" dirty="0" smtClean="0"/>
+              <a:t>↑</a:t>
+            </a:r>
+            <a:r>
+              <a:rPr kumimoji="1" lang="ja-JP" altLang="en-US" sz="2400" dirty="0" smtClean="0"/>
+              <a:t>ブルーム</a:t>
+            </a:r>
+            <a:endParaRPr kumimoji="1" lang="ja-JP" altLang="en-US" sz="2400" dirty="0"/>
+          </a:p>
+        </p:txBody>
+      </p:sp>
+      <p:pic>
+        <p:nvPicPr>
+          <p:cNvPr id="7" name="図 6"/>
+          <p:cNvPicPr>
+            <a:picLocks noChangeAspect="1"/>
+          </p:cNvPicPr>
+          <p:nvPr/>
+        </p:nvPicPr>
+        <p:blipFill>
+          <a:blip r:embed="rId3" cstate="print">
+            <a:extLst>
+              <a:ext uri="{28A0092B-C50C-407E-A947-70E740481C1C}">
+                <a14:useLocalDpi xmlns:a14="http://schemas.microsoft.com/office/drawing/2010/main" val="0"/>
+              </a:ext>
+            </a:extLst>
+          </a:blip>
+          <a:stretch>
+            <a:fillRect/>
+          </a:stretch>
+        </p:blipFill>
+        <p:spPr>
+          <a:xfrm>
+            <a:off x="6065798" y="1984374"/>
+            <a:ext cx="5292784" cy="3095625"/>
+          </a:xfrm>
+          <a:prstGeom prst="rect">
+            <a:avLst/>
+          </a:prstGeom>
+        </p:spPr>
+      </p:pic>
+      <p:sp>
+        <p:nvSpPr>
+          <p:cNvPr id="8" name="テキスト ボックス 7"/>
+          <p:cNvSpPr txBox="1"/>
+          <p:nvPr/>
+        </p:nvSpPr>
+        <p:spPr>
+          <a:xfrm>
+            <a:off x="5500727" y="2179095"/>
+            <a:ext cx="553998" cy="2609048"/>
+          </a:xfrm>
+          <a:prstGeom prst="rect">
+            <a:avLst/>
+          </a:prstGeom>
+          <a:noFill/>
+        </p:spPr>
+        <p:txBody>
+          <a:bodyPr vert="eaVert" wrap="none" rtlCol="0">
+            <a:spAutoFit/>
+          </a:bodyPr>
+          <a:lstStyle/>
+          <a:p>
+            <a:r>
+              <a:rPr lang="ja-JP" altLang="en-US" sz="2400" dirty="0" smtClean="0"/>
+              <a:t>↑モーション</a:t>
+            </a:r>
+            <a:r>
+              <a:rPr lang="ja-JP" altLang="en-US" sz="2400" dirty="0"/>
+              <a:t>ブラ</a:t>
+            </a:r>
+            <a:r>
+              <a:rPr lang="ja-JP" altLang="en-US" sz="2400" dirty="0" smtClean="0"/>
+              <a:t>ー</a:t>
+            </a:r>
+            <a:endParaRPr kumimoji="1" lang="ja-JP" altLang="en-US" sz="2400" dirty="0"/>
+          </a:p>
+        </p:txBody>
+      </p:sp>
+    </p:spTree>
+    <p:extLst>
+      <p:ext uri="{BB962C8B-B14F-4D97-AF65-F5344CB8AC3E}">
+        <p14:creationId xmlns:p14="http://schemas.microsoft.com/office/powerpoint/2010/main" val="1339411079"/>
+      </p:ext>
+    </p:extLst>
+  </p:cSld>
+  <p:clrMapOvr>
+    <a:masterClrMapping/>
+  </p:clrMapOvr>
 </p:sld>
 </file>
 
